--- a/images/Robust-SKAT-Shicheng-Guo-2020-MCRI.pptx
+++ b/images/Robust-SKAT-Shicheng-Guo-2020-MCRI.pptx
@@ -7905,8 +7905,8 @@
         </p:nvSpPr>
         <p:spPr>
           <a:xfrm>
-            <a:off x="5031604" y="2547379"/>
-            <a:ext cx="6518787" cy="2724759"/>
+            <a:off x="5403079" y="2438816"/>
+            <a:ext cx="6518787" cy="3453371"/>
           </a:xfrm>
           <a:prstGeom prst="rect">
             <a:avLst/>
@@ -8089,8 +8089,26 @@
                 <a:latin typeface="Arial" panose="020B0604020202020204" pitchFamily="34" charset="0"/>
                 <a:cs typeface="Arial" panose="020B0604020202020204" pitchFamily="34" charset="0"/>
               </a:rPr>
-              <a:t>Rare variants model:</a:t>
-            </a:r>
+              <a:t>Rare variants model</a:t>
+            </a:r>
+            <a:r>
+              <a:rPr lang="en-US" sz="2000" dirty="0" smtClean="0">
+                <a:latin typeface="Arial" panose="020B0604020202020204" pitchFamily="34" charset="0"/>
+                <a:cs typeface="Arial" panose="020B0604020202020204" pitchFamily="34" charset="0"/>
+              </a:rPr>
+              <a:t>:</a:t>
+            </a:r>
+          </a:p>
+          <a:p>
+            <a:pPr marL="0" indent="0">
+              <a:buFont typeface="Arial" panose="020B0604020202020204" pitchFamily="34" charset="0"/>
+              <a:buNone/>
+              <a:defRPr/>
+            </a:pPr>
+            <a:endParaRPr lang="en-US" sz="2000" dirty="0" smtClean="0">
+              <a:latin typeface="Arial" panose="020B0604020202020204" pitchFamily="34" charset="0"/>
+              <a:cs typeface="Arial" panose="020B0604020202020204" pitchFamily="34" charset="0"/>
+            </a:endParaRPr>
           </a:p>
           <a:p>
             <a:pPr>
@@ -8109,18 +8127,11 @@
               <a:buNone/>
             </a:pPr>
             <a:r>
-              <a:rPr lang="en-US" sz="2000" dirty="0">
-                <a:latin typeface="Arial" panose="020B0604020202020204" pitchFamily="34" charset="0"/>
-                <a:cs typeface="Arial" panose="020B0604020202020204" pitchFamily="34" charset="0"/>
-              </a:rPr>
-              <a:t> </a:t>
-            </a:r>
-            <a:r>
               <a:rPr lang="en-US" sz="2000" dirty="0" smtClean="0">
                 <a:latin typeface="Arial" panose="020B0604020202020204" pitchFamily="34" charset="0"/>
                 <a:cs typeface="Arial" panose="020B0604020202020204" pitchFamily="34" charset="0"/>
               </a:rPr>
-              <a:t>      1. Burden test (effect, weight)</a:t>
+              <a:t>       1. Burden test (effect, weight)</a:t>
             </a:r>
           </a:p>
           <a:p>
@@ -8128,19 +8139,21 @@
               <a:buNone/>
             </a:pPr>
             <a:r>
-              <a:rPr lang="en-US" sz="2000" dirty="0">
-                <a:latin typeface="Arial" panose="020B0604020202020204" pitchFamily="34" charset="0"/>
-                <a:cs typeface="Arial" panose="020B0604020202020204" pitchFamily="34" charset="0"/>
-              </a:rPr>
-              <a:t> </a:t>
-            </a:r>
-            <a:r>
               <a:rPr lang="en-US" sz="2000" dirty="0" smtClean="0">
                 <a:latin typeface="Arial" panose="020B0604020202020204" pitchFamily="34" charset="0"/>
                 <a:cs typeface="Arial" panose="020B0604020202020204" pitchFamily="34" charset="0"/>
               </a:rPr>
-              <a:t>      2. Kernel-based variance-component test (SKAT)</a:t>
-            </a:r>
+              <a:t>       2. Kernel-based variance-component test (SKAT)</a:t>
+            </a:r>
+          </a:p>
+          <a:p>
+            <a:pPr marL="0" indent="0">
+              <a:buNone/>
+            </a:pPr>
+            <a:endParaRPr lang="en-US" sz="2000" dirty="0" smtClean="0">
+              <a:latin typeface="Arial" panose="020B0604020202020204" pitchFamily="34" charset="0"/>
+              <a:cs typeface="Arial" panose="020B0604020202020204" pitchFamily="34" charset="0"/>
+            </a:endParaRPr>
           </a:p>
           <a:p>
             <a:r>
@@ -8257,6 +8270,238 @@
           </a:p>
         </p:txBody>
       </p:sp>
+      <p:sp>
+        <p:nvSpPr>
+          <p:cNvPr id="2" name="Rectangle 1"/>
+          <p:cNvSpPr/>
+          <p:nvPr/>
+        </p:nvSpPr>
+        <p:spPr>
+          <a:xfrm>
+            <a:off x="5458724" y="4779378"/>
+            <a:ext cx="4255318" cy="1190625"/>
+          </a:xfrm>
+          <a:prstGeom prst="rect">
+            <a:avLst/>
+          </a:prstGeom>
+          <a:solidFill>
+            <a:srgbClr val="FFC000">
+              <a:alpha val="26000"/>
+            </a:srgbClr>
+          </a:solidFill>
+          <a:ln>
+            <a:noFill/>
+          </a:ln>
+        </p:spPr>
+        <p:style>
+          <a:lnRef idx="2">
+            <a:schemeClr val="accent1">
+              <a:shade val="50000"/>
+            </a:schemeClr>
+          </a:lnRef>
+          <a:fillRef idx="1">
+            <a:schemeClr val="accent1"/>
+          </a:fillRef>
+          <a:effectRef idx="0">
+            <a:schemeClr val="accent1"/>
+          </a:effectRef>
+          <a:fontRef idx="minor">
+            <a:schemeClr val="lt1"/>
+          </a:fontRef>
+        </p:style>
+        <p:txBody>
+          <a:bodyPr rtlCol="0" anchor="ctr"/>
+          <a:lstStyle/>
+          <a:p>
+            <a:pPr algn="ctr"/>
+            <a:endParaRPr lang="en-US"/>
+          </a:p>
+        </p:txBody>
+      </p:sp>
+      <p:sp>
+        <p:nvSpPr>
+          <p:cNvPr id="18" name="Rectangle 17"/>
+          <p:cNvSpPr/>
+          <p:nvPr/>
+        </p:nvSpPr>
+        <p:spPr>
+          <a:xfrm>
+            <a:off x="5742355" y="3191859"/>
+            <a:ext cx="5830519" cy="1163746"/>
+          </a:xfrm>
+          <a:prstGeom prst="rect">
+            <a:avLst/>
+          </a:prstGeom>
+          <a:solidFill>
+            <a:srgbClr val="FFC000">
+              <a:alpha val="26000"/>
+            </a:srgbClr>
+          </a:solidFill>
+          <a:ln>
+            <a:noFill/>
+          </a:ln>
+        </p:spPr>
+        <p:style>
+          <a:lnRef idx="2">
+            <a:schemeClr val="accent1">
+              <a:shade val="50000"/>
+            </a:schemeClr>
+          </a:lnRef>
+          <a:fillRef idx="1">
+            <a:schemeClr val="accent1"/>
+          </a:fillRef>
+          <a:effectRef idx="0">
+            <a:schemeClr val="accent1"/>
+          </a:effectRef>
+          <a:fontRef idx="minor">
+            <a:schemeClr val="lt1"/>
+          </a:fontRef>
+        </p:style>
+        <p:txBody>
+          <a:bodyPr rtlCol="0" anchor="ctr"/>
+          <a:lstStyle/>
+          <a:p>
+            <a:pPr algn="ctr"/>
+            <a:endParaRPr lang="en-US"/>
+          </a:p>
+        </p:txBody>
+      </p:sp>
+      <p:sp>
+        <p:nvSpPr>
+          <p:cNvPr id="3" name="TextBox 2"/>
+          <p:cNvSpPr txBox="1"/>
+          <p:nvPr/>
+        </p:nvSpPr>
+        <p:spPr>
+          <a:xfrm>
+            <a:off x="8767946" y="6102485"/>
+            <a:ext cx="2464393" cy="400110"/>
+          </a:xfrm>
+          <a:prstGeom prst="rect">
+            <a:avLst/>
+          </a:prstGeom>
+          <a:noFill/>
+        </p:spPr>
+        <p:txBody>
+          <a:bodyPr wrap="none" rtlCol="0">
+            <a:spAutoFit/>
+          </a:bodyPr>
+          <a:lstStyle/>
+          <a:p>
+            <a:r>
+              <a:rPr lang="en-US" sz="2000" b="1" dirty="0">
+                <a:latin typeface="Arial" panose="020B0604020202020204" pitchFamily="34" charset="0"/>
+                <a:cs typeface="Arial" panose="020B0604020202020204" pitchFamily="34" charset="0"/>
+              </a:rPr>
+              <a:t>Dr. Steven Schrodi</a:t>
+            </a:r>
+          </a:p>
+        </p:txBody>
+      </p:sp>
+      <p:cxnSp>
+        <p:nvCxnSpPr>
+          <p:cNvPr id="6" name="Straight Arrow Connector 5"/>
+          <p:cNvCxnSpPr/>
+          <p:nvPr/>
+        </p:nvCxnSpPr>
+        <p:spPr>
+          <a:xfrm flipH="1" flipV="1">
+            <a:off x="9298234" y="5810300"/>
+            <a:ext cx="285750" cy="305649"/>
+          </a:xfrm>
+          <a:prstGeom prst="straightConnector1">
+            <a:avLst/>
+          </a:prstGeom>
+          <a:ln w="76200">
+            <a:solidFill>
+              <a:srgbClr val="7030A0"/>
+            </a:solidFill>
+            <a:tailEnd type="triangle"/>
+          </a:ln>
+        </p:spPr>
+        <p:style>
+          <a:lnRef idx="1">
+            <a:schemeClr val="accent1"/>
+          </a:lnRef>
+          <a:fillRef idx="0">
+            <a:schemeClr val="accent1"/>
+          </a:fillRef>
+          <a:effectRef idx="0">
+            <a:schemeClr val="accent1"/>
+          </a:effectRef>
+          <a:fontRef idx="minor">
+            <a:schemeClr val="tx1"/>
+          </a:fontRef>
+        </p:style>
+      </p:cxnSp>
+      <p:sp>
+        <p:nvSpPr>
+          <p:cNvPr id="23" name="TextBox 22"/>
+          <p:cNvSpPr txBox="1"/>
+          <p:nvPr/>
+        </p:nvSpPr>
+        <p:spPr>
+          <a:xfrm>
+            <a:off x="9598133" y="4671852"/>
+            <a:ext cx="2634311" cy="400110"/>
+          </a:xfrm>
+          <a:prstGeom prst="rect">
+            <a:avLst/>
+          </a:prstGeom>
+          <a:noFill/>
+        </p:spPr>
+        <p:txBody>
+          <a:bodyPr wrap="none" rtlCol="0">
+            <a:spAutoFit/>
+          </a:bodyPr>
+          <a:lstStyle/>
+          <a:p>
+            <a:r>
+              <a:rPr lang="en-US" sz="2000" b="1" dirty="0">
+                <a:latin typeface="Arial" panose="020B0604020202020204" pitchFamily="34" charset="0"/>
+                <a:cs typeface="Arial" panose="020B0604020202020204" pitchFamily="34" charset="0"/>
+              </a:rPr>
+              <a:t>Dr. Scott J Hebbring</a:t>
+            </a:r>
+          </a:p>
+        </p:txBody>
+      </p:sp>
+      <p:cxnSp>
+        <p:nvCxnSpPr>
+          <p:cNvPr id="28" name="Straight Arrow Connector 27"/>
+          <p:cNvCxnSpPr/>
+          <p:nvPr/>
+        </p:nvCxnSpPr>
+        <p:spPr>
+          <a:xfrm flipV="1">
+            <a:off x="10791831" y="4366510"/>
+            <a:ext cx="222801" cy="352792"/>
+          </a:xfrm>
+          <a:prstGeom prst="straightConnector1">
+            <a:avLst/>
+          </a:prstGeom>
+          <a:ln w="76200">
+            <a:solidFill>
+              <a:srgbClr val="7030A0"/>
+            </a:solidFill>
+            <a:tailEnd type="triangle"/>
+          </a:ln>
+        </p:spPr>
+        <p:style>
+          <a:lnRef idx="1">
+            <a:schemeClr val="accent1"/>
+          </a:lnRef>
+          <a:fillRef idx="0">
+            <a:schemeClr val="accent1"/>
+          </a:fillRef>
+          <a:effectRef idx="0">
+            <a:schemeClr val="accent1"/>
+          </a:effectRef>
+          <a:fontRef idx="minor">
+            <a:schemeClr val="tx1"/>
+          </a:fontRef>
+        </p:style>
+      </p:cxnSp>
     </p:spTree>
     <p:extLst>
       <p:ext uri="{BB962C8B-B14F-4D97-AF65-F5344CB8AC3E}">
@@ -8793,7 +9038,7 @@
                                         <p:tgtEl>
                                           <p:spTgt spid="25">
                                             <p:txEl>
-                                              <p:pRg st="1" end="1"/>
+                                              <p:pRg st="2" end="2"/>
                                             </p:txEl>
                                           </p:spTgt>
                                         </p:tgtEl>
@@ -8842,7 +9087,7 @@
                                         <p:tgtEl>
                                           <p:spTgt spid="25">
                                             <p:txEl>
-                                              <p:pRg st="2" end="2"/>
+                                              <p:pRg st="3" end="3"/>
                                             </p:txEl>
                                           </p:spTgt>
                                         </p:tgtEl>
@@ -8891,7 +9136,7 @@
                                         <p:tgtEl>
                                           <p:spTgt spid="25">
                                             <p:txEl>
-                                              <p:pRg st="3" end="3"/>
+                                              <p:pRg st="4" end="4"/>
                                             </p:txEl>
                                           </p:spTgt>
                                         </p:tgtEl>
@@ -8940,7 +9185,7 @@
                                         <p:tgtEl>
                                           <p:spTgt spid="25">
                                             <p:txEl>
-                                              <p:pRg st="4" end="4"/>
+                                              <p:pRg st="6" end="6"/>
                                             </p:txEl>
                                           </p:spTgt>
                                         </p:tgtEl>

--- a/images/Robust-SKAT-Shicheng-Guo-2020-MCRI.pptx
+++ b/images/Robust-SKAT-Shicheng-Guo-2020-MCRI.pptx
@@ -5,7 +5,7 @@
     <p:sldMasterId id="2147483648" r:id="rId1"/>
   </p:sldMasterIdLst>
   <p:notesMasterIdLst>
-    <p:notesMasterId r:id="rId16"/>
+    <p:notesMasterId r:id="rId17"/>
   </p:notesMasterIdLst>
   <p:sldIdLst>
     <p:sldId id="257" r:id="rId2"/>
@@ -18,10 +18,11 @@
     <p:sldId id="265" r:id="rId9"/>
     <p:sldId id="267" r:id="rId10"/>
     <p:sldId id="268" r:id="rId11"/>
-    <p:sldId id="269" r:id="rId12"/>
-    <p:sldId id="270" r:id="rId13"/>
-    <p:sldId id="271" r:id="rId14"/>
-    <p:sldId id="266" r:id="rId15"/>
+    <p:sldId id="272" r:id="rId12"/>
+    <p:sldId id="269" r:id="rId13"/>
+    <p:sldId id="270" r:id="rId14"/>
+    <p:sldId id="271" r:id="rId15"/>
+    <p:sldId id="266" r:id="rId16"/>
   </p:sldIdLst>
   <p:sldSz cx="12192000" cy="6858000"/>
   <p:notesSz cx="6858000" cy="9144000"/>
@@ -120,6 +121,11 @@
       </a:defRPr>
     </a:lvl9pPr>
   </p:defaultTextStyle>
+  <p:extLst>
+    <p:ext uri="{EFAFB233-063F-42B5-8137-9DF3F51BA10A}">
+      <p15:sldGuideLst xmlns:p15="http://schemas.microsoft.com/office/powerpoint/2012/main"/>
+    </p:ext>
+  </p:extLst>
 </p:presentation>
 </file>
 
@@ -1022,7 +1028,7 @@
           <a:p>
             <a:fld id="{49DBFABA-0455-4D3E-A1E6-AB7AD39E7BD3}" type="slidenum">
               <a:rPr lang="en-US" smtClean="0"/>
-              <a:t>11</a:t>
+              <a:t>12</a:t>
             </a:fld>
             <a:endParaRPr lang="en-US"/>
           </a:p>
@@ -3906,7 +3912,7 @@
         </p:nvSpPr>
         <p:spPr>
           <a:xfrm>
-            <a:off x="0" y="2344647"/>
+            <a:off x="0" y="2293847"/>
             <a:ext cx="12037857" cy="1015663"/>
           </a:xfrm>
           <a:prstGeom prst="rect">
@@ -3927,50 +3933,8 @@
                 </a:solidFill>
                 <a:latin typeface="Arial" panose="020B0604020202020204" pitchFamily="34" charset="0"/>
               </a:rPr>
-              <a:t>UK </a:t>
-            </a:r>
-            <a:r>
-              <a:rPr lang="en-US" sz="3000" b="1" dirty="0">
-                <a:solidFill>
-                  <a:srgbClr val="000000"/>
-                </a:solidFill>
-                <a:latin typeface="Arial" panose="020B0604020202020204" pitchFamily="34" charset="0"/>
-              </a:rPr>
-              <a:t>Biobank Whole-Exome Sequence Binary </a:t>
-            </a:r>
-            <a:r>
-              <a:rPr lang="en-US" sz="3000" b="1" dirty="0">
-                <a:solidFill>
-                  <a:srgbClr val="000000"/>
-                </a:solidFill>
-                <a:latin typeface="Arial" panose="020B0604020202020204" pitchFamily="34" charset="0"/>
-              </a:rPr>
-              <a:t>Phenome Analysis </a:t>
-            </a:r>
-            <a:r>
-              <a:rPr lang="en-US" sz="3000" b="1" dirty="0">
-                <a:solidFill>
-                  <a:srgbClr val="000000"/>
-                </a:solidFill>
-                <a:latin typeface="Arial" panose="020B0604020202020204" pitchFamily="34" charset="0"/>
-              </a:rPr>
-              <a:t>with Robust Region-Based Rare-Variant </a:t>
-            </a:r>
-            <a:r>
-              <a:rPr lang="en-US" sz="3000" b="1" dirty="0">
-                <a:solidFill>
-                  <a:srgbClr val="000000"/>
-                </a:solidFill>
-                <a:latin typeface="Arial" panose="020B0604020202020204" pitchFamily="34" charset="0"/>
-              </a:rPr>
-              <a:t>Test</a:t>
-            </a:r>
-            <a:endParaRPr lang="en-US" sz="3000" b="1" dirty="0">
-              <a:solidFill>
-                <a:srgbClr val="000000"/>
-              </a:solidFill>
-              <a:latin typeface="Arial" panose="020B0604020202020204" pitchFamily="34" charset="0"/>
-            </a:endParaRPr>
+              <a:t>UK Biobank Whole-Exome Sequence Binary Phenome Analysis with Robust Region-Based Rare-Variant Test</a:t>
+            </a:r>
           </a:p>
         </p:txBody>
       </p:sp>
@@ -4008,7 +3972,7 @@
         </p:nvSpPr>
         <p:spPr>
           <a:xfrm>
-            <a:off x="2565551" y="3718231"/>
+            <a:off x="2616351" y="3896031"/>
             <a:ext cx="7198681" cy="1802867"/>
           </a:xfrm>
           <a:prstGeom prst="rect">
@@ -4040,7 +4004,7 @@
           </a:lstStyle>
           <a:p>
             <a:r>
-              <a:rPr lang="en-US" sz="2000" b="1" dirty="0">
+              <a:rPr lang="en-US" sz="2400" b="1" dirty="0">
                 <a:solidFill>
                   <a:srgbClr val="000000"/>
                 </a:solidFill>
@@ -4053,7 +4017,7 @@
           </a:p>
           <a:p>
             <a:r>
-              <a:rPr lang="en-US" sz="2000" b="1" dirty="0">
+              <a:rPr lang="en-US" sz="2400" b="1" dirty="0">
                 <a:solidFill>
                   <a:srgbClr val="000000"/>
                 </a:solidFill>
@@ -4066,7 +4030,7 @@
           </a:p>
           <a:p>
             <a:r>
-              <a:rPr lang="en-US" sz="2000" b="1" dirty="0">
+              <a:rPr lang="en-US" sz="2400" b="1" dirty="0">
                 <a:solidFill>
                   <a:srgbClr val="000000"/>
                 </a:solidFill>
@@ -4076,8 +4040,8 @@
               </a:rPr>
               <a:t>Marshfield Clinic Research Institute</a:t>
             </a:r>
-            <a:r>
-              <a:rPr lang="en-US" sz="2000" b="1" dirty="0">
+            <a:br>
+              <a:rPr lang="en-US" sz="2400" b="1" dirty="0">
                 <a:solidFill>
                   <a:srgbClr val="000000"/>
                 </a:solidFill>
@@ -4085,10 +4049,9 @@
                 <a:ea typeface="+mn-ea"/>
                 <a:cs typeface="+mn-cs"/>
               </a:rPr>
-              <a:t/>
-            </a:r>
-            <a:br>
-              <a:rPr lang="en-US" sz="2000" b="1" dirty="0">
+            </a:br>
+            <a:r>
+              <a:rPr lang="en-US" sz="2400" b="1" dirty="0">
                 <a:solidFill>
                   <a:srgbClr val="000000"/>
                 </a:solidFill>
@@ -4096,26 +4059,8 @@
                 <a:ea typeface="+mn-ea"/>
                 <a:cs typeface="+mn-cs"/>
               </a:rPr>
-            </a:br>
-            <a:r>
-              <a:rPr lang="en-US" sz="2000" b="1" dirty="0">
-                <a:solidFill>
-                  <a:srgbClr val="000000"/>
-                </a:solidFill>
-                <a:latin typeface="Arial" panose="020B0604020202020204" pitchFamily="34" charset="0"/>
-                <a:ea typeface="+mn-ea"/>
-                <a:cs typeface="+mn-cs"/>
-              </a:rPr>
               <a:t>01/20/2019</a:t>
             </a:r>
-            <a:endParaRPr lang="en-US" sz="2000" b="1" dirty="0">
-              <a:solidFill>
-                <a:srgbClr val="000000"/>
-              </a:solidFill>
-              <a:latin typeface="Arial" panose="020B0604020202020204" pitchFamily="34" charset="0"/>
-              <a:ea typeface="+mn-ea"/>
-              <a:cs typeface="+mn-cs"/>
-            </a:endParaRPr>
           </a:p>
         </p:txBody>
       </p:sp>
@@ -5051,12 +4996,6 @@
               </a:rPr>
               <a:t>cancer of prostate</a:t>
             </a:r>
-            <a:endParaRPr lang="en-US" sz="1400" i="1" dirty="0">
-              <a:solidFill>
-                <a:srgbClr val="00B050"/>
-              </a:solidFill>
-              <a:latin typeface="Times New Roman" panose="02020603050405020304" pitchFamily="18" charset="0"/>
-            </a:endParaRPr>
           </a:p>
         </p:txBody>
       </p:sp>
@@ -5092,62 +5031,334 @@
       </p:grpSpPr>
       <p:sp>
         <p:nvSpPr>
-          <p:cNvPr id="2" name="Title 1"/>
-          <p:cNvSpPr txBox="1">
-            <a:spLocks/>
-          </p:cNvSpPr>
+          <p:cNvPr id="3" name="Rectangle 2"/>
+          <p:cNvSpPr/>
           <p:nvPr/>
         </p:nvSpPr>
         <p:spPr>
           <a:xfrm>
-            <a:off x="374545" y="233536"/>
-            <a:ext cx="11740376" cy="601276"/>
+            <a:off x="1018809" y="88798"/>
+            <a:ext cx="9747155" cy="584775"/>
           </a:xfrm>
           <a:prstGeom prst="rect">
             <a:avLst/>
           </a:prstGeom>
         </p:spPr>
         <p:txBody>
-          <a:bodyPr/>
-          <a:lstStyle>
-            <a:lvl1pPr algn="l" defTabSz="914400" rtl="0" eaLnBrk="1" latinLnBrk="0" hangingPunct="1">
-              <a:lnSpc>
-                <a:spcPct val="90000"/>
-              </a:lnSpc>
-              <a:spcBef>
-                <a:spcPct val="0"/>
-              </a:spcBef>
-              <a:buNone/>
-              <a:defRPr sz="4400" kern="1200">
-                <a:solidFill>
-                  <a:schemeClr val="tx1"/>
-                </a:solidFill>
-                <a:latin typeface="+mj-lt"/>
-                <a:ea typeface="+mj-ea"/>
-                <a:cs typeface="+mj-cs"/>
-              </a:defRPr>
-            </a:lvl1pPr>
-          </a:lstStyle>
-          <a:p>
-            <a:r>
-              <a:rPr lang="en-US" altLang="en-US" sz="3200" b="1" dirty="0">
-                <a:latin typeface="Times New Roman" panose="02020603050405020304" pitchFamily="18" charset="0"/>
-                <a:ea typeface="+mn-ea"/>
-                <a:cs typeface="+mn-cs"/>
-              </a:rPr>
-              <a:t>Challenge: low data quality both in genotyping and phenotyping</a:t>
-            </a:r>
-            <a:endParaRPr lang="he-IL" altLang="en-US" sz="3200" b="1" dirty="0">
-              <a:latin typeface="Times New Roman" panose="02020603050405020304" pitchFamily="18" charset="0"/>
-              <a:ea typeface="+mn-ea"/>
-              <a:cs typeface="+mn-cs"/>
+          <a:bodyPr wrap="none">
+            <a:spAutoFit/>
+          </a:bodyPr>
+          <a:lstStyle/>
+          <a:p>
+            <a:r>
+              <a:rPr lang="en-US" sz="3200" b="1" dirty="0" smtClean="0">
+                <a:latin typeface="Arial" panose="020B0604020202020204" pitchFamily="34" charset="0"/>
+                <a:cs typeface="Arial" panose="020B0604020202020204" pitchFamily="34" charset="0"/>
+              </a:rPr>
+              <a:t>Robust SKAT-O </a:t>
+            </a:r>
+            <a:r>
+              <a:rPr lang="en-US" sz="3200" b="1" dirty="0" smtClean="0">
+                <a:latin typeface="Arial" panose="020B0604020202020204" pitchFamily="34" charset="0"/>
+                <a:cs typeface="Arial" panose="020B0604020202020204" pitchFamily="34" charset="0"/>
+              </a:rPr>
+              <a:t>analyses to Rheumatoid Arthritis</a:t>
+            </a:r>
+            <a:endParaRPr lang="en-US" sz="3200" b="1" dirty="0">
+              <a:latin typeface="Arial" panose="020B0604020202020204" pitchFamily="34" charset="0"/>
+              <a:cs typeface="Arial" panose="020B0604020202020204" pitchFamily="34" charset="0"/>
             </a:endParaRPr>
           </a:p>
         </p:txBody>
       </p:sp>
+      <p:sp>
+        <p:nvSpPr>
+          <p:cNvPr id="10" name="Rectangle 9"/>
+          <p:cNvSpPr/>
+          <p:nvPr/>
+        </p:nvSpPr>
+        <p:spPr>
+          <a:xfrm>
+            <a:off x="1562100" y="4933503"/>
+            <a:ext cx="1112805" cy="1323439"/>
+          </a:xfrm>
+          <a:prstGeom prst="rect">
+            <a:avLst/>
+          </a:prstGeom>
+        </p:spPr>
+        <p:txBody>
+          <a:bodyPr wrap="none">
+            <a:spAutoFit/>
+          </a:bodyPr>
+          <a:lstStyle/>
+          <a:p>
+            <a:r>
+              <a:rPr lang="en-US" sz="2000" b="1" dirty="0" smtClean="0">
+                <a:latin typeface="Arial" panose="020B0604020202020204" pitchFamily="34" charset="0"/>
+                <a:cs typeface="Arial" panose="020B0604020202020204" pitchFamily="34" charset="0"/>
+              </a:rPr>
+              <a:t>ZNF595</a:t>
+            </a:r>
+          </a:p>
+          <a:p>
+            <a:r>
+              <a:rPr lang="en-US" sz="2000" b="1" dirty="0" smtClean="0">
+                <a:latin typeface="Arial" panose="020B0604020202020204" pitchFamily="34" charset="0"/>
+                <a:cs typeface="Arial" panose="020B0604020202020204" pitchFamily="34" charset="0"/>
+              </a:rPr>
+              <a:t>ZNF718</a:t>
+            </a:r>
+          </a:p>
+          <a:p>
+            <a:r>
+              <a:rPr lang="en-US" sz="2000" b="1" dirty="0" smtClean="0">
+                <a:latin typeface="Arial" panose="020B0604020202020204" pitchFamily="34" charset="0"/>
+                <a:cs typeface="Arial" panose="020B0604020202020204" pitchFamily="34" charset="0"/>
+              </a:rPr>
+              <a:t>ZNF774</a:t>
+            </a:r>
+          </a:p>
+          <a:p>
+            <a:r>
+              <a:rPr lang="en-US" sz="2000" b="1" dirty="0" smtClean="0">
+                <a:latin typeface="Arial" panose="020B0604020202020204" pitchFamily="34" charset="0"/>
+                <a:cs typeface="Arial" panose="020B0604020202020204" pitchFamily="34" charset="0"/>
+              </a:rPr>
+              <a:t>ZNF438</a:t>
+            </a:r>
+            <a:endParaRPr lang="en-US" sz="2000" b="1" dirty="0">
+              <a:latin typeface="Arial" panose="020B0604020202020204" pitchFamily="34" charset="0"/>
+              <a:cs typeface="Arial" panose="020B0604020202020204" pitchFamily="34" charset="0"/>
+            </a:endParaRPr>
+          </a:p>
+        </p:txBody>
+      </p:sp>
+      <p:grpSp>
+        <p:nvGrpSpPr>
+          <p:cNvPr id="12" name="Group 11"/>
+          <p:cNvGrpSpPr/>
+          <p:nvPr/>
+        </p:nvGrpSpPr>
+        <p:grpSpPr>
+          <a:xfrm>
+            <a:off x="1562100" y="918736"/>
+            <a:ext cx="8334895" cy="3637433"/>
+            <a:chOff x="-72577" y="899454"/>
+            <a:chExt cx="8334895" cy="3637433"/>
+          </a:xfrm>
+        </p:grpSpPr>
+        <p:grpSp>
+          <p:nvGrpSpPr>
+            <p:cNvPr id="7" name="Group 6"/>
+            <p:cNvGrpSpPr/>
+            <p:nvPr/>
+          </p:nvGrpSpPr>
+          <p:grpSpPr>
+            <a:xfrm>
+              <a:off x="-72577" y="899454"/>
+              <a:ext cx="8334895" cy="3637433"/>
+              <a:chOff x="1230283" y="804285"/>
+              <a:chExt cx="8138160" cy="3487783"/>
+            </a:xfrm>
+          </p:grpSpPr>
+          <p:pic>
+            <p:nvPicPr>
+              <p:cNvPr id="2" name="Picture 1"/>
+              <p:cNvPicPr>
+                <a:picLocks noChangeAspect="1"/>
+              </p:cNvPicPr>
+              <p:nvPr/>
+            </p:nvPicPr>
+            <p:blipFill>
+              <a:blip r:embed="rId2" cstate="print">
+                <a:extLst>
+                  <a:ext uri="{28A0092B-C50C-407E-A947-70E740481C1C}">
+                    <a14:useLocalDpi xmlns:a14="http://schemas.microsoft.com/office/drawing/2010/main" val="0"/>
+                  </a:ext>
+                </a:extLst>
+              </a:blip>
+              <a:stretch>
+                <a:fillRect/>
+              </a:stretch>
+            </p:blipFill>
+            <p:spPr>
+              <a:xfrm>
+                <a:off x="1230283" y="804285"/>
+                <a:ext cx="8138160" cy="3487783"/>
+              </a:xfrm>
+              <a:prstGeom prst="rect">
+                <a:avLst/>
+              </a:prstGeom>
+            </p:spPr>
+          </p:pic>
+          <p:sp>
+            <p:nvSpPr>
+              <p:cNvPr id="4" name="Rectangle 3"/>
+              <p:cNvSpPr/>
+              <p:nvPr/>
+            </p:nvSpPr>
+            <p:spPr>
+              <a:xfrm>
+                <a:off x="5410616" y="1219783"/>
+                <a:ext cx="891502" cy="325380"/>
+              </a:xfrm>
+              <a:prstGeom prst="rect">
+                <a:avLst/>
+              </a:prstGeom>
+            </p:spPr>
+            <p:txBody>
+              <a:bodyPr wrap="none">
+                <a:spAutoFit/>
+              </a:bodyPr>
+              <a:lstStyle/>
+              <a:p>
+                <a:r>
+                  <a:rPr lang="en-US" b="1" dirty="0">
+                    <a:latin typeface="Arial" panose="020B0604020202020204" pitchFamily="34" charset="0"/>
+                    <a:cs typeface="Arial" panose="020B0604020202020204" pitchFamily="34" charset="0"/>
+                  </a:rPr>
+                  <a:t>ZNF462</a:t>
+                </a:r>
+                <a:endParaRPr lang="en-US" sz="1600" b="1" dirty="0">
+                  <a:latin typeface="Arial" panose="020B0604020202020204" pitchFamily="34" charset="0"/>
+                  <a:cs typeface="Arial" panose="020B0604020202020204" pitchFamily="34" charset="0"/>
+                </a:endParaRPr>
+              </a:p>
+            </p:txBody>
+          </p:sp>
+          <p:sp>
+            <p:nvSpPr>
+              <p:cNvPr id="5" name="Rectangle 4"/>
+              <p:cNvSpPr/>
+              <p:nvPr/>
+            </p:nvSpPr>
+            <p:spPr>
+              <a:xfrm>
+                <a:off x="4087594" y="1475210"/>
+                <a:ext cx="700627" cy="325380"/>
+              </a:xfrm>
+              <a:prstGeom prst="rect">
+                <a:avLst/>
+              </a:prstGeom>
+            </p:spPr>
+            <p:txBody>
+              <a:bodyPr wrap="none">
+                <a:spAutoFit/>
+              </a:bodyPr>
+              <a:lstStyle/>
+              <a:p>
+                <a:r>
+                  <a:rPr lang="en-US" b="1" dirty="0">
+                    <a:latin typeface="Arial" panose="020B0604020202020204" pitchFamily="34" charset="0"/>
+                    <a:cs typeface="Arial" panose="020B0604020202020204" pitchFamily="34" charset="0"/>
+                  </a:rPr>
+                  <a:t>XPO5</a:t>
+                </a:r>
+                <a:endParaRPr lang="en-US" sz="1600" b="1" dirty="0">
+                  <a:latin typeface="Arial" panose="020B0604020202020204" pitchFamily="34" charset="0"/>
+                  <a:cs typeface="Arial" panose="020B0604020202020204" pitchFamily="34" charset="0"/>
+                </a:endParaRPr>
+              </a:p>
+            </p:txBody>
+          </p:sp>
+          <p:sp>
+            <p:nvSpPr>
+              <p:cNvPr id="6" name="Rectangle 5"/>
+              <p:cNvSpPr/>
+              <p:nvPr/>
+            </p:nvSpPr>
+            <p:spPr>
+              <a:xfrm>
+                <a:off x="3204041" y="1874160"/>
+                <a:ext cx="1093606" cy="325380"/>
+              </a:xfrm>
+              <a:prstGeom prst="rect">
+                <a:avLst/>
+              </a:prstGeom>
+            </p:spPr>
+            <p:txBody>
+              <a:bodyPr wrap="none">
+                <a:spAutoFit/>
+              </a:bodyPr>
+              <a:lstStyle/>
+              <a:p>
+                <a:r>
+                  <a:rPr lang="en-US" b="1" dirty="0">
+                    <a:latin typeface="Arial" panose="020B0604020202020204" pitchFamily="34" charset="0"/>
+                    <a:cs typeface="Arial" panose="020B0604020202020204" pitchFamily="34" charset="0"/>
+                  </a:rPr>
+                  <a:t>SNRNP48</a:t>
+                </a:r>
+              </a:p>
+            </p:txBody>
+          </p:sp>
+        </p:grpSp>
+        <p:sp>
+          <p:nvSpPr>
+            <p:cNvPr id="8" name="Rectangle 7"/>
+            <p:cNvSpPr/>
+            <p:nvPr/>
+          </p:nvSpPr>
+          <p:spPr>
+            <a:xfrm>
+              <a:off x="825500" y="1938508"/>
+              <a:ext cx="1123395" cy="369332"/>
+            </a:xfrm>
+            <a:prstGeom prst="rect">
+              <a:avLst/>
+            </a:prstGeom>
+          </p:spPr>
+          <p:txBody>
+            <a:bodyPr wrap="square">
+              <a:spAutoFit/>
+            </a:bodyPr>
+            <a:lstStyle/>
+            <a:p>
+              <a:r>
+                <a:rPr lang="en-US" b="1" dirty="0">
+                  <a:latin typeface="Arial" panose="020B0604020202020204" pitchFamily="34" charset="0"/>
+                  <a:cs typeface="Arial" panose="020B0604020202020204" pitchFamily="34" charset="0"/>
+                </a:rPr>
+                <a:t>KCTD18</a:t>
+              </a:r>
+            </a:p>
+          </p:txBody>
+        </p:sp>
+        <p:sp>
+          <p:nvSpPr>
+            <p:cNvPr id="9" name="Rectangle 8"/>
+            <p:cNvSpPr/>
+            <p:nvPr/>
+          </p:nvSpPr>
+          <p:spPr>
+            <a:xfrm>
+              <a:off x="6935946" y="1753841"/>
+              <a:ext cx="1257596" cy="369332"/>
+            </a:xfrm>
+            <a:prstGeom prst="rect">
+              <a:avLst/>
+            </a:prstGeom>
+          </p:spPr>
+          <p:txBody>
+            <a:bodyPr wrap="square">
+              <a:spAutoFit/>
+            </a:bodyPr>
+            <a:lstStyle/>
+            <a:p>
+              <a:r>
+                <a:rPr lang="en-US" b="1" dirty="0">
+                  <a:latin typeface="Arial" panose="020B0604020202020204" pitchFamily="34" charset="0"/>
+                  <a:cs typeface="Arial" panose="020B0604020202020204" pitchFamily="34" charset="0"/>
+                </a:rPr>
+                <a:t>CHAF1B</a:t>
+              </a:r>
+            </a:p>
+          </p:txBody>
+        </p:sp>
+      </p:grpSp>
       <p:pic>
         <p:nvPicPr>
-          <p:cNvPr id="3" name="Picture 2"/>
+          <p:cNvPr id="14" name="Picture 13"/>
           <p:cNvPicPr>
             <a:picLocks noChangeAspect="1"/>
           </p:cNvPicPr>
@@ -5161,8 +5372,8 @@
         </p:blipFill>
         <p:spPr>
           <a:xfrm>
-            <a:off x="341977" y="1401026"/>
-            <a:ext cx="5001233" cy="2573144"/>
+            <a:off x="2945674" y="4632895"/>
+            <a:ext cx="2647465" cy="1537238"/>
           </a:xfrm>
           <a:prstGeom prst="rect">
             <a:avLst/>
@@ -5171,14 +5382,14 @@
       </p:pic>
       <p:sp>
         <p:nvSpPr>
-          <p:cNvPr id="4" name="Rectangle 3"/>
+          <p:cNvPr id="15" name="Rectangle 14"/>
           <p:cNvSpPr/>
           <p:nvPr/>
         </p:nvSpPr>
         <p:spPr>
           <a:xfrm>
-            <a:off x="3221734" y="2881349"/>
-            <a:ext cx="1768433" cy="276999"/>
+            <a:off x="5669339" y="5224473"/>
+            <a:ext cx="1297150" cy="461665"/>
           </a:xfrm>
           <a:prstGeom prst="rect">
             <a:avLst/>
@@ -5191,394 +5402,28 @@
           <a:lstStyle/>
           <a:p>
             <a:r>
-              <a:rPr lang="en-US" sz="1200" dirty="0" smtClean="0">
-                <a:solidFill>
-                  <a:srgbClr val="0070C0"/>
+              <a:rPr lang="en-US" sz="2400" b="1" dirty="0">
+                <a:solidFill>
+                  <a:srgbClr val="00B050"/>
                 </a:solidFill>
                 <a:latin typeface="Arial" panose="020B0604020202020204" pitchFamily="34" charset="0"/>
                 <a:cs typeface="Arial" panose="020B0604020202020204" pitchFamily="34" charset="0"/>
               </a:rPr>
-              <a:t>Genotyping </a:t>
-            </a:r>
-            <a:r>
-              <a:rPr lang="en-US" sz="1200" dirty="0">
-                <a:solidFill>
-                  <a:srgbClr val="0070C0"/>
-                </a:solidFill>
-                <a:latin typeface="Arial" panose="020B0604020202020204" pitchFamily="34" charset="0"/>
-                <a:cs typeface="Arial" panose="020B0604020202020204" pitchFamily="34" charset="0"/>
-              </a:rPr>
-              <a:t>calling bias</a:t>
-            </a:r>
-          </a:p>
-        </p:txBody>
-      </p:sp>
-      <p:sp>
-        <p:nvSpPr>
-          <p:cNvPr id="6" name="Rectangle 5"/>
-          <p:cNvSpPr/>
-          <p:nvPr/>
-        </p:nvSpPr>
-        <p:spPr>
-          <a:xfrm>
-            <a:off x="5940007" y="1401027"/>
-            <a:ext cx="5772772" cy="2573144"/>
-          </a:xfrm>
-          <a:prstGeom prst="rect">
-            <a:avLst/>
-          </a:prstGeom>
-          <a:noFill/>
-          <a:ln w="28575">
-            <a:solidFill>
-              <a:srgbClr val="7030A0"/>
-            </a:solidFill>
-          </a:ln>
-        </p:spPr>
-        <p:style>
-          <a:lnRef idx="2">
-            <a:schemeClr val="accent1">
-              <a:shade val="50000"/>
-            </a:schemeClr>
-          </a:lnRef>
-          <a:fillRef idx="1">
-            <a:schemeClr val="accent1"/>
-          </a:fillRef>
-          <a:effectRef idx="0">
-            <a:schemeClr val="accent1"/>
-          </a:effectRef>
-          <a:fontRef idx="minor">
-            <a:schemeClr val="lt1"/>
-          </a:fontRef>
-        </p:style>
-        <p:txBody>
-          <a:bodyPr rtlCol="0" anchor="ctr"/>
-          <a:lstStyle/>
-          <a:p>
-            <a:pPr algn="ctr"/>
-            <a:endParaRPr lang="en-US">
+              <a:t>ZNF438</a:t>
+            </a:r>
+            <a:endParaRPr lang="en-US" sz="2400" b="1" dirty="0">
+              <a:solidFill>
+                <a:srgbClr val="00B050"/>
+              </a:solidFill>
               <a:latin typeface="Arial" panose="020B0604020202020204" pitchFamily="34" charset="0"/>
               <a:cs typeface="Arial" panose="020B0604020202020204" pitchFamily="34" charset="0"/>
             </a:endParaRPr>
           </a:p>
         </p:txBody>
       </p:sp>
-      <p:sp>
-        <p:nvSpPr>
-          <p:cNvPr id="7" name="Rounded Rectangle 6"/>
-          <p:cNvSpPr/>
-          <p:nvPr/>
-        </p:nvSpPr>
-        <p:spPr>
-          <a:xfrm>
-            <a:off x="6191118" y="1688170"/>
-            <a:ext cx="2648209" cy="758283"/>
-          </a:xfrm>
-          <a:prstGeom prst="roundRect">
-            <a:avLst/>
-          </a:prstGeom>
-        </p:spPr>
-        <p:style>
-          <a:lnRef idx="2">
-            <a:schemeClr val="accent2">
-              <a:shade val="50000"/>
-            </a:schemeClr>
-          </a:lnRef>
-          <a:fillRef idx="1">
-            <a:schemeClr val="accent2"/>
-          </a:fillRef>
-          <a:effectRef idx="0">
-            <a:schemeClr val="accent2"/>
-          </a:effectRef>
-          <a:fontRef idx="minor">
-            <a:schemeClr val="lt1"/>
-          </a:fontRef>
-        </p:style>
-        <p:txBody>
-          <a:bodyPr rtlCol="0" anchor="ctr"/>
-          <a:lstStyle/>
-          <a:p>
-            <a:pPr algn="ctr"/>
-            <a:r>
-              <a:rPr lang="en-US" dirty="0" smtClean="0">
-                <a:latin typeface="Arial" panose="020B0604020202020204" pitchFamily="34" charset="0"/>
-                <a:cs typeface="Arial" panose="020B0604020202020204" pitchFamily="34" charset="0"/>
-              </a:rPr>
-              <a:t>Regeneron Seal Point Balinese (SPB)</a:t>
-            </a:r>
-            <a:endParaRPr lang="en-US" dirty="0">
-              <a:latin typeface="Arial" panose="020B0604020202020204" pitchFamily="34" charset="0"/>
-              <a:cs typeface="Arial" panose="020B0604020202020204" pitchFamily="34" charset="0"/>
-            </a:endParaRPr>
-          </a:p>
-        </p:txBody>
-      </p:sp>
-      <p:sp>
-        <p:nvSpPr>
-          <p:cNvPr id="8" name="Rounded Rectangle 7"/>
-          <p:cNvSpPr/>
-          <p:nvPr/>
-        </p:nvSpPr>
-        <p:spPr>
-          <a:xfrm>
-            <a:off x="6191118" y="3019848"/>
-            <a:ext cx="2648209" cy="758283"/>
-          </a:xfrm>
-          <a:prstGeom prst="roundRect">
-            <a:avLst/>
-          </a:prstGeom>
-        </p:spPr>
-        <p:style>
-          <a:lnRef idx="2">
-            <a:schemeClr val="accent1">
-              <a:shade val="50000"/>
-            </a:schemeClr>
-          </a:lnRef>
-          <a:fillRef idx="1">
-            <a:schemeClr val="accent1"/>
-          </a:fillRef>
-          <a:effectRef idx="0">
-            <a:schemeClr val="accent1"/>
-          </a:effectRef>
-          <a:fontRef idx="minor">
-            <a:schemeClr val="lt1"/>
-          </a:fontRef>
-        </p:style>
-        <p:txBody>
-          <a:bodyPr rtlCol="0" anchor="ctr"/>
-          <a:lstStyle/>
-          <a:p>
-            <a:pPr algn="ctr"/>
-            <a:r>
-              <a:rPr lang="en-US" dirty="0" smtClean="0">
-                <a:latin typeface="Arial" panose="020B0604020202020204" pitchFamily="34" charset="0"/>
-                <a:cs typeface="Arial" panose="020B0604020202020204" pitchFamily="34" charset="0"/>
-              </a:rPr>
-              <a:t>Functionally Equivalent pipeline (FE)</a:t>
-            </a:r>
-            <a:endParaRPr lang="en-US" dirty="0">
-              <a:latin typeface="Arial" panose="020B0604020202020204" pitchFamily="34" charset="0"/>
-              <a:cs typeface="Arial" panose="020B0604020202020204" pitchFamily="34" charset="0"/>
-            </a:endParaRPr>
-          </a:p>
-        </p:txBody>
-      </p:sp>
-      <p:sp>
-        <p:nvSpPr>
-          <p:cNvPr id="9" name="Right Arrow 8"/>
-          <p:cNvSpPr/>
-          <p:nvPr/>
-        </p:nvSpPr>
-        <p:spPr>
-          <a:xfrm>
-            <a:off x="8996796" y="3044240"/>
-            <a:ext cx="211110" cy="709497"/>
-          </a:xfrm>
-          <a:prstGeom prst="rightArrow">
-            <a:avLst/>
-          </a:prstGeom>
-          <a:solidFill>
-            <a:srgbClr val="7030A0"/>
-          </a:solidFill>
-        </p:spPr>
-        <p:style>
-          <a:lnRef idx="2">
-            <a:schemeClr val="accent6">
-              <a:shade val="50000"/>
-            </a:schemeClr>
-          </a:lnRef>
-          <a:fillRef idx="1">
-            <a:schemeClr val="accent6"/>
-          </a:fillRef>
-          <a:effectRef idx="0">
-            <a:schemeClr val="accent6"/>
-          </a:effectRef>
-          <a:fontRef idx="minor">
-            <a:schemeClr val="lt1"/>
-          </a:fontRef>
-        </p:style>
-        <p:txBody>
-          <a:bodyPr rtlCol="0" anchor="ctr"/>
-          <a:lstStyle/>
-          <a:p>
-            <a:pPr algn="ctr"/>
-            <a:endParaRPr lang="en-US">
-              <a:latin typeface="Arial" panose="020B0604020202020204" pitchFamily="34" charset="0"/>
-              <a:cs typeface="Arial" panose="020B0604020202020204" pitchFamily="34" charset="0"/>
-            </a:endParaRPr>
-          </a:p>
-        </p:txBody>
-      </p:sp>
-      <p:sp>
-        <p:nvSpPr>
-          <p:cNvPr id="11" name="TextBox 10"/>
-          <p:cNvSpPr txBox="1"/>
-          <p:nvPr/>
-        </p:nvSpPr>
-        <p:spPr>
-          <a:xfrm>
-            <a:off x="9330823" y="3384405"/>
-            <a:ext cx="2287806" cy="369332"/>
-          </a:xfrm>
-          <a:prstGeom prst="rect">
-            <a:avLst/>
-          </a:prstGeom>
-          <a:noFill/>
-        </p:spPr>
-        <p:txBody>
-          <a:bodyPr wrap="none" rtlCol="0">
-            <a:spAutoFit/>
-          </a:bodyPr>
-          <a:lstStyle/>
-          <a:p>
-            <a:r>
-              <a:rPr lang="en-US" dirty="0" smtClean="0">
-                <a:latin typeface="Arial" panose="020B0604020202020204" pitchFamily="34" charset="0"/>
-                <a:cs typeface="Arial" panose="020B0604020202020204" pitchFamily="34" charset="0"/>
-              </a:rPr>
-              <a:t>Retracted or update </a:t>
-            </a:r>
-            <a:endParaRPr lang="en-US" dirty="0">
-              <a:latin typeface="Arial" panose="020B0604020202020204" pitchFamily="34" charset="0"/>
-              <a:cs typeface="Arial" panose="020B0604020202020204" pitchFamily="34" charset="0"/>
-            </a:endParaRPr>
-          </a:p>
-        </p:txBody>
-      </p:sp>
-      <p:sp>
-        <p:nvSpPr>
-          <p:cNvPr id="12" name="TextBox 11"/>
-          <p:cNvSpPr txBox="1"/>
-          <p:nvPr/>
-        </p:nvSpPr>
-        <p:spPr>
-          <a:xfrm>
-            <a:off x="9296528" y="1882644"/>
-            <a:ext cx="2435282" cy="369332"/>
-          </a:xfrm>
-          <a:prstGeom prst="rect">
-            <a:avLst/>
-          </a:prstGeom>
-          <a:noFill/>
-        </p:spPr>
-        <p:txBody>
-          <a:bodyPr wrap="none" rtlCol="0">
-            <a:spAutoFit/>
-          </a:bodyPr>
-          <a:lstStyle/>
-          <a:p>
-            <a:r>
-              <a:rPr lang="en-US" dirty="0" smtClean="0">
-                <a:latin typeface="Arial" panose="020B0604020202020204" pitchFamily="34" charset="0"/>
-                <a:cs typeface="Arial" panose="020B0604020202020204" pitchFamily="34" charset="0"/>
-              </a:rPr>
-              <a:t>Retracted ~ July 2019</a:t>
-            </a:r>
-            <a:endParaRPr lang="en-US" dirty="0">
-              <a:latin typeface="Arial" panose="020B0604020202020204" pitchFamily="34" charset="0"/>
-              <a:cs typeface="Arial" panose="020B0604020202020204" pitchFamily="34" charset="0"/>
-            </a:endParaRPr>
-          </a:p>
-        </p:txBody>
-      </p:sp>
-      <p:sp>
-        <p:nvSpPr>
-          <p:cNvPr id="13" name="Right Arrow 12"/>
-          <p:cNvSpPr/>
-          <p:nvPr/>
-        </p:nvSpPr>
-        <p:spPr>
-          <a:xfrm>
-            <a:off x="8996796" y="1712561"/>
-            <a:ext cx="211110" cy="709497"/>
-          </a:xfrm>
-          <a:prstGeom prst="rightArrow">
-            <a:avLst/>
-          </a:prstGeom>
-          <a:solidFill>
-            <a:srgbClr val="7030A0"/>
-          </a:solidFill>
-        </p:spPr>
-        <p:style>
-          <a:lnRef idx="2">
-            <a:schemeClr val="accent6">
-              <a:shade val="50000"/>
-            </a:schemeClr>
-          </a:lnRef>
-          <a:fillRef idx="1">
-            <a:schemeClr val="accent6"/>
-          </a:fillRef>
-          <a:effectRef idx="0">
-            <a:schemeClr val="accent6"/>
-          </a:effectRef>
-          <a:fontRef idx="minor">
-            <a:schemeClr val="lt1"/>
-          </a:fontRef>
-        </p:style>
-        <p:txBody>
-          <a:bodyPr rtlCol="0" anchor="ctr"/>
-          <a:lstStyle/>
-          <a:p>
-            <a:pPr algn="ctr"/>
-            <a:endParaRPr lang="en-US">
-              <a:latin typeface="Arial" panose="020B0604020202020204" pitchFamily="34" charset="0"/>
-              <a:cs typeface="Arial" panose="020B0604020202020204" pitchFamily="34" charset="0"/>
-            </a:endParaRPr>
-          </a:p>
-        </p:txBody>
-      </p:sp>
-      <p:sp>
-        <p:nvSpPr>
-          <p:cNvPr id="21" name="TextBox 20"/>
-          <p:cNvSpPr txBox="1"/>
-          <p:nvPr/>
-        </p:nvSpPr>
-        <p:spPr>
-          <a:xfrm>
-            <a:off x="9257992" y="2928407"/>
-            <a:ext cx="2326342" cy="369332"/>
-          </a:xfrm>
-          <a:prstGeom prst="rect">
-            <a:avLst/>
-          </a:prstGeom>
-          <a:noFill/>
-        </p:spPr>
-        <p:txBody>
-          <a:bodyPr wrap="none" rtlCol="0">
-            <a:spAutoFit/>
-          </a:bodyPr>
-          <a:lstStyle/>
-          <a:p>
-            <a:r>
-              <a:rPr lang="en-US" dirty="0" smtClean="0">
-                <a:latin typeface="Arial" panose="020B0604020202020204" pitchFamily="34" charset="0"/>
-                <a:cs typeface="Arial" panose="020B0604020202020204" pitchFamily="34" charset="0"/>
-              </a:rPr>
-              <a:t>10</a:t>
-            </a:r>
-            <a:r>
-              <a:rPr lang="en-US" baseline="30000" dirty="0" smtClean="0">
-                <a:latin typeface="Arial" panose="020B0604020202020204" pitchFamily="34" charset="0"/>
-                <a:cs typeface="Arial" panose="020B0604020202020204" pitchFamily="34" charset="0"/>
-              </a:rPr>
-              <a:t>th</a:t>
-            </a:r>
-            <a:r>
-              <a:rPr lang="en-US" dirty="0" smtClean="0">
-                <a:latin typeface="Arial" panose="020B0604020202020204" pitchFamily="34" charset="0"/>
-                <a:cs typeface="Arial" panose="020B0604020202020204" pitchFamily="34" charset="0"/>
-              </a:rPr>
-              <a:t> December, 2019</a:t>
-            </a:r>
-            <a:endParaRPr lang="en-US" dirty="0">
-              <a:latin typeface="Arial" panose="020B0604020202020204" pitchFamily="34" charset="0"/>
-              <a:cs typeface="Arial" panose="020B0604020202020204" pitchFamily="34" charset="0"/>
-            </a:endParaRPr>
-          </a:p>
-        </p:txBody>
-      </p:sp>
       <p:pic>
         <p:nvPicPr>
-          <p:cNvPr id="5" name="Picture 4"/>
+          <p:cNvPr id="17" name="Picture 16"/>
           <p:cNvPicPr>
             <a:picLocks noChangeAspect="1"/>
           </p:cNvPicPr>
@@ -5592,91 +5437,125 @@
         </p:blipFill>
         <p:spPr>
           <a:xfrm>
-            <a:off x="341977" y="4461667"/>
-            <a:ext cx="5520951" cy="1985651"/>
+            <a:off x="7186439" y="4495084"/>
+            <a:ext cx="3057525" cy="2200275"/>
           </a:xfrm>
           <a:prstGeom prst="rect">
             <a:avLst/>
           </a:prstGeom>
         </p:spPr>
       </p:pic>
-      <p:sp>
-        <p:nvSpPr>
-          <p:cNvPr id="10" name="Rectangle 9"/>
+      <p:cxnSp>
+        <p:nvCxnSpPr>
+          <p:cNvPr id="18" name="Straight Arrow Connector 17"/>
+          <p:cNvCxnSpPr/>
+          <p:nvPr/>
+        </p:nvCxnSpPr>
+        <p:spPr>
+          <a:xfrm flipV="1">
+            <a:off x="7042689" y="5292746"/>
+            <a:ext cx="1230010" cy="7927"/>
+          </a:xfrm>
+          <a:prstGeom prst="straightConnector1">
+            <a:avLst/>
+          </a:prstGeom>
+          <a:ln w="57150">
+            <a:solidFill>
+              <a:srgbClr val="FF0000"/>
+            </a:solidFill>
+            <a:tailEnd type="triangle"/>
+          </a:ln>
+        </p:spPr>
+        <p:style>
+          <a:lnRef idx="1">
+            <a:schemeClr val="accent1"/>
+          </a:lnRef>
+          <a:fillRef idx="0">
+            <a:schemeClr val="accent1"/>
+          </a:fillRef>
+          <a:effectRef idx="0">
+            <a:schemeClr val="accent1"/>
+          </a:effectRef>
+          <a:fontRef idx="minor">
+            <a:schemeClr val="tx1"/>
+          </a:fontRef>
+        </p:style>
+      </p:cxnSp>
+      <p:sp>
+        <p:nvSpPr>
+          <p:cNvPr id="21" name="Rectangle 20"/>
           <p:cNvSpPr/>
           <p:nvPr/>
         </p:nvSpPr>
         <p:spPr>
           <a:xfrm>
-            <a:off x="5862928" y="4761994"/>
-            <a:ext cx="6251993" cy="1384995"/>
+            <a:off x="2877484" y="6259401"/>
+            <a:ext cx="2852063" cy="461665"/>
           </a:xfrm>
           <a:prstGeom prst="rect">
             <a:avLst/>
           </a:prstGeom>
         </p:spPr>
         <p:txBody>
-          <a:bodyPr wrap="square">
+          <a:bodyPr wrap="none">
             <a:spAutoFit/>
           </a:bodyPr>
           <a:lstStyle/>
           <a:p>
-            <a:pPr algn="ctr"/>
-            <a:r>
-              <a:rPr lang="en-US" sz="2800" dirty="0">
+            <a:r>
+              <a:rPr lang="en-US" sz="2400" b="1" dirty="0" smtClean="0">
+                <a:solidFill>
+                  <a:srgbClr val="7030A0"/>
+                </a:solidFill>
                 <a:latin typeface="Arial" panose="020B0604020202020204" pitchFamily="34" charset="0"/>
                 <a:cs typeface="Arial" panose="020B0604020202020204" pitchFamily="34" charset="0"/>
               </a:rPr>
-              <a:t>Technique quality control, negative and positive control </a:t>
-            </a:r>
-          </a:p>
-          <a:p>
-            <a:pPr algn="ctr"/>
-            <a:r>
-              <a:rPr lang="en-US" sz="2800" dirty="0">
+              <a:t>169 ZNF-</a:t>
+            </a:r>
+            <a:r>
+              <a:rPr lang="en-US" sz="2400" b="1" dirty="0" err="1" smtClean="0">
+                <a:solidFill>
+                  <a:srgbClr val="7030A0"/>
+                </a:solidFill>
                 <a:latin typeface="Arial" panose="020B0604020202020204" pitchFamily="34" charset="0"/>
                 <a:cs typeface="Arial" panose="020B0604020202020204" pitchFamily="34" charset="0"/>
               </a:rPr>
-              <a:t>should be set as much as possible</a:t>
-            </a:r>
-          </a:p>
-        </p:txBody>
-      </p:sp>
-      <p:sp>
-        <p:nvSpPr>
-          <p:cNvPr id="15" name="Rectangle 14"/>
-          <p:cNvSpPr/>
-          <p:nvPr/>
-        </p:nvSpPr>
-        <p:spPr>
-          <a:xfrm>
-            <a:off x="6089910" y="4301899"/>
-            <a:ext cx="5813772" cy="307777"/>
-          </a:xfrm>
-          <a:prstGeom prst="rect">
-            <a:avLst/>
-          </a:prstGeom>
-        </p:spPr>
-        <p:txBody>
-          <a:bodyPr wrap="square">
-            <a:spAutoFit/>
-          </a:bodyPr>
-          <a:lstStyle/>
-          <a:p>
-            <a:r>
-              <a:rPr lang="en-US" sz="1400" dirty="0">
-                <a:hlinkClick r:id="rId5"/>
-              </a:rPr>
-              <a:t>https://www.biorxiv.org/content/biorxiv/early/2019/12/10/868570.full.pdf</a:t>
-            </a:r>
-            <a:endParaRPr lang="en-US" sz="1400" dirty="0"/>
+              <a:t>ChIP</a:t>
+            </a:r>
+            <a:r>
+              <a:rPr lang="en-US" sz="2400" b="1" dirty="0" smtClean="0">
+                <a:solidFill>
+                  <a:srgbClr val="7030A0"/>
+                </a:solidFill>
+                <a:latin typeface="Arial" panose="020B0604020202020204" pitchFamily="34" charset="0"/>
+                <a:cs typeface="Arial" panose="020B0604020202020204" pitchFamily="34" charset="0"/>
+              </a:rPr>
+              <a:t>-</a:t>
+            </a:r>
+            <a:r>
+              <a:rPr lang="en-US" sz="2400" b="1" dirty="0" err="1" smtClean="0">
+                <a:solidFill>
+                  <a:srgbClr val="7030A0"/>
+                </a:solidFill>
+                <a:latin typeface="Arial" panose="020B0604020202020204" pitchFamily="34" charset="0"/>
+                <a:cs typeface="Arial" panose="020B0604020202020204" pitchFamily="34" charset="0"/>
+              </a:rPr>
+              <a:t>Seq</a:t>
+            </a:r>
+            <a:endParaRPr lang="en-US" sz="2400" b="1" dirty="0">
+              <a:solidFill>
+                <a:srgbClr val="7030A0"/>
+              </a:solidFill>
+              <a:latin typeface="Arial" panose="020B0604020202020204" pitchFamily="34" charset="0"/>
+              <a:cs typeface="Arial" panose="020B0604020202020204" pitchFamily="34" charset="0"/>
+            </a:endParaRPr>
           </a:p>
         </p:txBody>
       </p:sp>
     </p:spTree>
     <p:extLst>
       <p:ext uri="{BB962C8B-B14F-4D97-AF65-F5344CB8AC3E}">
-        <p14:creationId xmlns:p14="http://schemas.microsoft.com/office/powerpoint/2010/main" val="2866679351"/>
+        <p14:creationId xmlns:p14="http://schemas.microsoft.com/office/powerpoint/2010/main" val="18287260"/>
       </p:ext>
     </p:extLst>
   </p:cSld>
@@ -5705,6 +5584,619 @@
       </p:grpSpPr>
       <p:sp>
         <p:nvSpPr>
+          <p:cNvPr id="2" name="Title 1"/>
+          <p:cNvSpPr txBox="1">
+            <a:spLocks/>
+          </p:cNvSpPr>
+          <p:nvPr/>
+        </p:nvSpPr>
+        <p:spPr>
+          <a:xfrm>
+            <a:off x="374545" y="233536"/>
+            <a:ext cx="11740376" cy="601276"/>
+          </a:xfrm>
+          <a:prstGeom prst="rect">
+            <a:avLst/>
+          </a:prstGeom>
+        </p:spPr>
+        <p:txBody>
+          <a:bodyPr/>
+          <a:lstStyle>
+            <a:lvl1pPr algn="l" defTabSz="914400" rtl="0" eaLnBrk="1" latinLnBrk="0" hangingPunct="1">
+              <a:lnSpc>
+                <a:spcPct val="90000"/>
+              </a:lnSpc>
+              <a:spcBef>
+                <a:spcPct val="0"/>
+              </a:spcBef>
+              <a:buNone/>
+              <a:defRPr sz="4400" kern="1200">
+                <a:solidFill>
+                  <a:schemeClr val="tx1"/>
+                </a:solidFill>
+                <a:latin typeface="+mj-lt"/>
+                <a:ea typeface="+mj-ea"/>
+                <a:cs typeface="+mj-cs"/>
+              </a:defRPr>
+            </a:lvl1pPr>
+          </a:lstStyle>
+          <a:p>
+            <a:r>
+              <a:rPr lang="en-US" altLang="en-US" sz="3200" b="1" dirty="0">
+                <a:latin typeface="Times New Roman" panose="02020603050405020304" pitchFamily="18" charset="0"/>
+                <a:ea typeface="+mn-ea"/>
+                <a:cs typeface="+mn-cs"/>
+              </a:rPr>
+              <a:t>Challenge: low data quality both in genotyping and phenotyping</a:t>
+            </a:r>
+            <a:endParaRPr lang="he-IL" altLang="en-US" sz="3200" b="1" dirty="0">
+              <a:latin typeface="Times New Roman" panose="02020603050405020304" pitchFamily="18" charset="0"/>
+              <a:ea typeface="+mn-ea"/>
+              <a:cs typeface="+mn-cs"/>
+            </a:endParaRPr>
+          </a:p>
+        </p:txBody>
+      </p:sp>
+      <p:pic>
+        <p:nvPicPr>
+          <p:cNvPr id="3" name="Picture 2"/>
+          <p:cNvPicPr>
+            <a:picLocks noChangeAspect="1"/>
+          </p:cNvPicPr>
+          <p:nvPr/>
+        </p:nvPicPr>
+        <p:blipFill>
+          <a:blip r:embed="rId3"/>
+          <a:stretch>
+            <a:fillRect/>
+          </a:stretch>
+        </p:blipFill>
+        <p:spPr>
+          <a:xfrm>
+            <a:off x="341977" y="1401026"/>
+            <a:ext cx="5001233" cy="2573144"/>
+          </a:xfrm>
+          <a:prstGeom prst="rect">
+            <a:avLst/>
+          </a:prstGeom>
+        </p:spPr>
+      </p:pic>
+      <p:sp>
+        <p:nvSpPr>
+          <p:cNvPr id="4" name="Rectangle 3"/>
+          <p:cNvSpPr/>
+          <p:nvPr/>
+        </p:nvSpPr>
+        <p:spPr>
+          <a:xfrm>
+            <a:off x="3221734" y="2881349"/>
+            <a:ext cx="1768433" cy="276999"/>
+          </a:xfrm>
+          <a:prstGeom prst="rect">
+            <a:avLst/>
+          </a:prstGeom>
+        </p:spPr>
+        <p:txBody>
+          <a:bodyPr wrap="none">
+            <a:spAutoFit/>
+          </a:bodyPr>
+          <a:lstStyle/>
+          <a:p>
+            <a:r>
+              <a:rPr lang="en-US" sz="1200" dirty="0" smtClean="0">
+                <a:solidFill>
+                  <a:srgbClr val="0070C0"/>
+                </a:solidFill>
+                <a:latin typeface="Arial" panose="020B0604020202020204" pitchFamily="34" charset="0"/>
+                <a:cs typeface="Arial" panose="020B0604020202020204" pitchFamily="34" charset="0"/>
+              </a:rPr>
+              <a:t>Genotyping </a:t>
+            </a:r>
+            <a:r>
+              <a:rPr lang="en-US" sz="1200" dirty="0">
+                <a:solidFill>
+                  <a:srgbClr val="0070C0"/>
+                </a:solidFill>
+                <a:latin typeface="Arial" panose="020B0604020202020204" pitchFamily="34" charset="0"/>
+                <a:cs typeface="Arial" panose="020B0604020202020204" pitchFamily="34" charset="0"/>
+              </a:rPr>
+              <a:t>calling bias</a:t>
+            </a:r>
+          </a:p>
+        </p:txBody>
+      </p:sp>
+      <p:sp>
+        <p:nvSpPr>
+          <p:cNvPr id="6" name="Rectangle 5"/>
+          <p:cNvSpPr/>
+          <p:nvPr/>
+        </p:nvSpPr>
+        <p:spPr>
+          <a:xfrm>
+            <a:off x="5940007" y="1401027"/>
+            <a:ext cx="5772772" cy="2573144"/>
+          </a:xfrm>
+          <a:prstGeom prst="rect">
+            <a:avLst/>
+          </a:prstGeom>
+          <a:noFill/>
+          <a:ln w="28575">
+            <a:solidFill>
+              <a:srgbClr val="7030A0"/>
+            </a:solidFill>
+          </a:ln>
+        </p:spPr>
+        <p:style>
+          <a:lnRef idx="2">
+            <a:schemeClr val="accent1">
+              <a:shade val="50000"/>
+            </a:schemeClr>
+          </a:lnRef>
+          <a:fillRef idx="1">
+            <a:schemeClr val="accent1"/>
+          </a:fillRef>
+          <a:effectRef idx="0">
+            <a:schemeClr val="accent1"/>
+          </a:effectRef>
+          <a:fontRef idx="minor">
+            <a:schemeClr val="lt1"/>
+          </a:fontRef>
+        </p:style>
+        <p:txBody>
+          <a:bodyPr rtlCol="0" anchor="ctr"/>
+          <a:lstStyle/>
+          <a:p>
+            <a:pPr algn="ctr"/>
+            <a:endParaRPr lang="en-US">
+              <a:latin typeface="Arial" panose="020B0604020202020204" pitchFamily="34" charset="0"/>
+              <a:cs typeface="Arial" panose="020B0604020202020204" pitchFamily="34" charset="0"/>
+            </a:endParaRPr>
+          </a:p>
+        </p:txBody>
+      </p:sp>
+      <p:sp>
+        <p:nvSpPr>
+          <p:cNvPr id="7" name="Rounded Rectangle 6"/>
+          <p:cNvSpPr/>
+          <p:nvPr/>
+        </p:nvSpPr>
+        <p:spPr>
+          <a:xfrm>
+            <a:off x="6191118" y="1688170"/>
+            <a:ext cx="2648209" cy="758283"/>
+          </a:xfrm>
+          <a:prstGeom prst="roundRect">
+            <a:avLst/>
+          </a:prstGeom>
+        </p:spPr>
+        <p:style>
+          <a:lnRef idx="2">
+            <a:schemeClr val="accent2">
+              <a:shade val="50000"/>
+            </a:schemeClr>
+          </a:lnRef>
+          <a:fillRef idx="1">
+            <a:schemeClr val="accent2"/>
+          </a:fillRef>
+          <a:effectRef idx="0">
+            <a:schemeClr val="accent2"/>
+          </a:effectRef>
+          <a:fontRef idx="minor">
+            <a:schemeClr val="lt1"/>
+          </a:fontRef>
+        </p:style>
+        <p:txBody>
+          <a:bodyPr rtlCol="0" anchor="ctr"/>
+          <a:lstStyle/>
+          <a:p>
+            <a:pPr algn="ctr"/>
+            <a:r>
+              <a:rPr lang="en-US" dirty="0" smtClean="0">
+                <a:latin typeface="Arial" panose="020B0604020202020204" pitchFamily="34" charset="0"/>
+                <a:cs typeface="Arial" panose="020B0604020202020204" pitchFamily="34" charset="0"/>
+              </a:rPr>
+              <a:t>Regeneron Seal Point Balinese (SPB)</a:t>
+            </a:r>
+            <a:endParaRPr lang="en-US" dirty="0">
+              <a:latin typeface="Arial" panose="020B0604020202020204" pitchFamily="34" charset="0"/>
+              <a:cs typeface="Arial" panose="020B0604020202020204" pitchFamily="34" charset="0"/>
+            </a:endParaRPr>
+          </a:p>
+        </p:txBody>
+      </p:sp>
+      <p:sp>
+        <p:nvSpPr>
+          <p:cNvPr id="8" name="Rounded Rectangle 7"/>
+          <p:cNvSpPr/>
+          <p:nvPr/>
+        </p:nvSpPr>
+        <p:spPr>
+          <a:xfrm>
+            <a:off x="6191118" y="3019848"/>
+            <a:ext cx="2648209" cy="758283"/>
+          </a:xfrm>
+          <a:prstGeom prst="roundRect">
+            <a:avLst/>
+          </a:prstGeom>
+        </p:spPr>
+        <p:style>
+          <a:lnRef idx="2">
+            <a:schemeClr val="accent1">
+              <a:shade val="50000"/>
+            </a:schemeClr>
+          </a:lnRef>
+          <a:fillRef idx="1">
+            <a:schemeClr val="accent1"/>
+          </a:fillRef>
+          <a:effectRef idx="0">
+            <a:schemeClr val="accent1"/>
+          </a:effectRef>
+          <a:fontRef idx="minor">
+            <a:schemeClr val="lt1"/>
+          </a:fontRef>
+        </p:style>
+        <p:txBody>
+          <a:bodyPr rtlCol="0" anchor="ctr"/>
+          <a:lstStyle/>
+          <a:p>
+            <a:pPr algn="ctr"/>
+            <a:r>
+              <a:rPr lang="en-US" dirty="0" smtClean="0">
+                <a:latin typeface="Arial" panose="020B0604020202020204" pitchFamily="34" charset="0"/>
+                <a:cs typeface="Arial" panose="020B0604020202020204" pitchFamily="34" charset="0"/>
+              </a:rPr>
+              <a:t>Functionally Equivalent pipeline (FE)</a:t>
+            </a:r>
+            <a:endParaRPr lang="en-US" dirty="0">
+              <a:latin typeface="Arial" panose="020B0604020202020204" pitchFamily="34" charset="0"/>
+              <a:cs typeface="Arial" panose="020B0604020202020204" pitchFamily="34" charset="0"/>
+            </a:endParaRPr>
+          </a:p>
+        </p:txBody>
+      </p:sp>
+      <p:sp>
+        <p:nvSpPr>
+          <p:cNvPr id="9" name="Right Arrow 8"/>
+          <p:cNvSpPr/>
+          <p:nvPr/>
+        </p:nvSpPr>
+        <p:spPr>
+          <a:xfrm>
+            <a:off x="8996796" y="3044240"/>
+            <a:ext cx="211110" cy="709497"/>
+          </a:xfrm>
+          <a:prstGeom prst="rightArrow">
+            <a:avLst/>
+          </a:prstGeom>
+          <a:solidFill>
+            <a:srgbClr val="7030A0"/>
+          </a:solidFill>
+        </p:spPr>
+        <p:style>
+          <a:lnRef idx="2">
+            <a:schemeClr val="accent6">
+              <a:shade val="50000"/>
+            </a:schemeClr>
+          </a:lnRef>
+          <a:fillRef idx="1">
+            <a:schemeClr val="accent6"/>
+          </a:fillRef>
+          <a:effectRef idx="0">
+            <a:schemeClr val="accent6"/>
+          </a:effectRef>
+          <a:fontRef idx="minor">
+            <a:schemeClr val="lt1"/>
+          </a:fontRef>
+        </p:style>
+        <p:txBody>
+          <a:bodyPr rtlCol="0" anchor="ctr"/>
+          <a:lstStyle/>
+          <a:p>
+            <a:pPr algn="ctr"/>
+            <a:endParaRPr lang="en-US">
+              <a:latin typeface="Arial" panose="020B0604020202020204" pitchFamily="34" charset="0"/>
+              <a:cs typeface="Arial" panose="020B0604020202020204" pitchFamily="34" charset="0"/>
+            </a:endParaRPr>
+          </a:p>
+        </p:txBody>
+      </p:sp>
+      <p:sp>
+        <p:nvSpPr>
+          <p:cNvPr id="11" name="TextBox 10"/>
+          <p:cNvSpPr txBox="1"/>
+          <p:nvPr/>
+        </p:nvSpPr>
+        <p:spPr>
+          <a:xfrm>
+            <a:off x="9330823" y="3384405"/>
+            <a:ext cx="2287806" cy="369332"/>
+          </a:xfrm>
+          <a:prstGeom prst="rect">
+            <a:avLst/>
+          </a:prstGeom>
+          <a:noFill/>
+        </p:spPr>
+        <p:txBody>
+          <a:bodyPr wrap="none" rtlCol="0">
+            <a:spAutoFit/>
+          </a:bodyPr>
+          <a:lstStyle/>
+          <a:p>
+            <a:r>
+              <a:rPr lang="en-US" dirty="0" smtClean="0">
+                <a:latin typeface="Arial" panose="020B0604020202020204" pitchFamily="34" charset="0"/>
+                <a:cs typeface="Arial" panose="020B0604020202020204" pitchFamily="34" charset="0"/>
+              </a:rPr>
+              <a:t>Retracted or update </a:t>
+            </a:r>
+            <a:endParaRPr lang="en-US" dirty="0">
+              <a:latin typeface="Arial" panose="020B0604020202020204" pitchFamily="34" charset="0"/>
+              <a:cs typeface="Arial" panose="020B0604020202020204" pitchFamily="34" charset="0"/>
+            </a:endParaRPr>
+          </a:p>
+        </p:txBody>
+      </p:sp>
+      <p:sp>
+        <p:nvSpPr>
+          <p:cNvPr id="12" name="TextBox 11"/>
+          <p:cNvSpPr txBox="1"/>
+          <p:nvPr/>
+        </p:nvSpPr>
+        <p:spPr>
+          <a:xfrm>
+            <a:off x="9296528" y="1882644"/>
+            <a:ext cx="2435282" cy="369332"/>
+          </a:xfrm>
+          <a:prstGeom prst="rect">
+            <a:avLst/>
+          </a:prstGeom>
+          <a:noFill/>
+        </p:spPr>
+        <p:txBody>
+          <a:bodyPr wrap="none" rtlCol="0">
+            <a:spAutoFit/>
+          </a:bodyPr>
+          <a:lstStyle/>
+          <a:p>
+            <a:r>
+              <a:rPr lang="en-US" dirty="0" smtClean="0">
+                <a:latin typeface="Arial" panose="020B0604020202020204" pitchFamily="34" charset="0"/>
+                <a:cs typeface="Arial" panose="020B0604020202020204" pitchFamily="34" charset="0"/>
+              </a:rPr>
+              <a:t>Retracted ~ July 2019</a:t>
+            </a:r>
+            <a:endParaRPr lang="en-US" dirty="0">
+              <a:latin typeface="Arial" panose="020B0604020202020204" pitchFamily="34" charset="0"/>
+              <a:cs typeface="Arial" panose="020B0604020202020204" pitchFamily="34" charset="0"/>
+            </a:endParaRPr>
+          </a:p>
+        </p:txBody>
+      </p:sp>
+      <p:sp>
+        <p:nvSpPr>
+          <p:cNvPr id="13" name="Right Arrow 12"/>
+          <p:cNvSpPr/>
+          <p:nvPr/>
+        </p:nvSpPr>
+        <p:spPr>
+          <a:xfrm>
+            <a:off x="8996796" y="1712561"/>
+            <a:ext cx="211110" cy="709497"/>
+          </a:xfrm>
+          <a:prstGeom prst="rightArrow">
+            <a:avLst/>
+          </a:prstGeom>
+          <a:solidFill>
+            <a:srgbClr val="7030A0"/>
+          </a:solidFill>
+        </p:spPr>
+        <p:style>
+          <a:lnRef idx="2">
+            <a:schemeClr val="accent6">
+              <a:shade val="50000"/>
+            </a:schemeClr>
+          </a:lnRef>
+          <a:fillRef idx="1">
+            <a:schemeClr val="accent6"/>
+          </a:fillRef>
+          <a:effectRef idx="0">
+            <a:schemeClr val="accent6"/>
+          </a:effectRef>
+          <a:fontRef idx="minor">
+            <a:schemeClr val="lt1"/>
+          </a:fontRef>
+        </p:style>
+        <p:txBody>
+          <a:bodyPr rtlCol="0" anchor="ctr"/>
+          <a:lstStyle/>
+          <a:p>
+            <a:pPr algn="ctr"/>
+            <a:endParaRPr lang="en-US">
+              <a:latin typeface="Arial" panose="020B0604020202020204" pitchFamily="34" charset="0"/>
+              <a:cs typeface="Arial" panose="020B0604020202020204" pitchFamily="34" charset="0"/>
+            </a:endParaRPr>
+          </a:p>
+        </p:txBody>
+      </p:sp>
+      <p:sp>
+        <p:nvSpPr>
+          <p:cNvPr id="21" name="TextBox 20"/>
+          <p:cNvSpPr txBox="1"/>
+          <p:nvPr/>
+        </p:nvSpPr>
+        <p:spPr>
+          <a:xfrm>
+            <a:off x="9257992" y="2928407"/>
+            <a:ext cx="2326342" cy="369332"/>
+          </a:xfrm>
+          <a:prstGeom prst="rect">
+            <a:avLst/>
+          </a:prstGeom>
+          <a:noFill/>
+        </p:spPr>
+        <p:txBody>
+          <a:bodyPr wrap="none" rtlCol="0">
+            <a:spAutoFit/>
+          </a:bodyPr>
+          <a:lstStyle/>
+          <a:p>
+            <a:r>
+              <a:rPr lang="en-US" dirty="0" smtClean="0">
+                <a:latin typeface="Arial" panose="020B0604020202020204" pitchFamily="34" charset="0"/>
+                <a:cs typeface="Arial" panose="020B0604020202020204" pitchFamily="34" charset="0"/>
+              </a:rPr>
+              <a:t>10</a:t>
+            </a:r>
+            <a:r>
+              <a:rPr lang="en-US" baseline="30000" dirty="0" smtClean="0">
+                <a:latin typeface="Arial" panose="020B0604020202020204" pitchFamily="34" charset="0"/>
+                <a:cs typeface="Arial" panose="020B0604020202020204" pitchFamily="34" charset="0"/>
+              </a:rPr>
+              <a:t>th</a:t>
+            </a:r>
+            <a:r>
+              <a:rPr lang="en-US" dirty="0" smtClean="0">
+                <a:latin typeface="Arial" panose="020B0604020202020204" pitchFamily="34" charset="0"/>
+                <a:cs typeface="Arial" panose="020B0604020202020204" pitchFamily="34" charset="0"/>
+              </a:rPr>
+              <a:t> December, 2019</a:t>
+            </a:r>
+            <a:endParaRPr lang="en-US" dirty="0">
+              <a:latin typeface="Arial" panose="020B0604020202020204" pitchFamily="34" charset="0"/>
+              <a:cs typeface="Arial" panose="020B0604020202020204" pitchFamily="34" charset="0"/>
+            </a:endParaRPr>
+          </a:p>
+        </p:txBody>
+      </p:sp>
+      <p:pic>
+        <p:nvPicPr>
+          <p:cNvPr id="5" name="Picture 4"/>
+          <p:cNvPicPr>
+            <a:picLocks noChangeAspect="1"/>
+          </p:cNvPicPr>
+          <p:nvPr/>
+        </p:nvPicPr>
+        <p:blipFill>
+          <a:blip r:embed="rId4"/>
+          <a:stretch>
+            <a:fillRect/>
+          </a:stretch>
+        </p:blipFill>
+        <p:spPr>
+          <a:xfrm>
+            <a:off x="341977" y="4461667"/>
+            <a:ext cx="5520951" cy="1985651"/>
+          </a:xfrm>
+          <a:prstGeom prst="rect">
+            <a:avLst/>
+          </a:prstGeom>
+        </p:spPr>
+      </p:pic>
+      <p:sp>
+        <p:nvSpPr>
+          <p:cNvPr id="10" name="Rectangle 9"/>
+          <p:cNvSpPr/>
+          <p:nvPr/>
+        </p:nvSpPr>
+        <p:spPr>
+          <a:xfrm>
+            <a:off x="5862928" y="4761994"/>
+            <a:ext cx="6251993" cy="1384995"/>
+          </a:xfrm>
+          <a:prstGeom prst="rect">
+            <a:avLst/>
+          </a:prstGeom>
+        </p:spPr>
+        <p:txBody>
+          <a:bodyPr wrap="square">
+            <a:spAutoFit/>
+          </a:bodyPr>
+          <a:lstStyle/>
+          <a:p>
+            <a:pPr algn="ctr"/>
+            <a:r>
+              <a:rPr lang="en-US" sz="2800" dirty="0">
+                <a:latin typeface="Arial" panose="020B0604020202020204" pitchFamily="34" charset="0"/>
+                <a:cs typeface="Arial" panose="020B0604020202020204" pitchFamily="34" charset="0"/>
+              </a:rPr>
+              <a:t>Technique quality control, negative and positive control </a:t>
+            </a:r>
+          </a:p>
+          <a:p>
+            <a:pPr algn="ctr"/>
+            <a:r>
+              <a:rPr lang="en-US" sz="2800" dirty="0">
+                <a:latin typeface="Arial" panose="020B0604020202020204" pitchFamily="34" charset="0"/>
+                <a:cs typeface="Arial" panose="020B0604020202020204" pitchFamily="34" charset="0"/>
+              </a:rPr>
+              <a:t>should be set as much as possible</a:t>
+            </a:r>
+          </a:p>
+        </p:txBody>
+      </p:sp>
+      <p:sp>
+        <p:nvSpPr>
+          <p:cNvPr id="15" name="Rectangle 14"/>
+          <p:cNvSpPr/>
+          <p:nvPr/>
+        </p:nvSpPr>
+        <p:spPr>
+          <a:xfrm>
+            <a:off x="6089910" y="4301899"/>
+            <a:ext cx="5813772" cy="307777"/>
+          </a:xfrm>
+          <a:prstGeom prst="rect">
+            <a:avLst/>
+          </a:prstGeom>
+        </p:spPr>
+        <p:txBody>
+          <a:bodyPr wrap="square">
+            <a:spAutoFit/>
+          </a:bodyPr>
+          <a:lstStyle/>
+          <a:p>
+            <a:r>
+              <a:rPr lang="en-US" sz="1400" dirty="0">
+                <a:hlinkClick r:id="rId5"/>
+              </a:rPr>
+              <a:t>https://www.biorxiv.org/content/biorxiv/early/2019/12/10/868570.full.pdf</a:t>
+            </a:r>
+            <a:endParaRPr lang="en-US" sz="1400" dirty="0"/>
+          </a:p>
+        </p:txBody>
+      </p:sp>
+    </p:spTree>
+    <p:extLst>
+      <p:ext uri="{BB962C8B-B14F-4D97-AF65-F5344CB8AC3E}">
+        <p14:creationId xmlns:p14="http://schemas.microsoft.com/office/powerpoint/2010/main" val="2866679351"/>
+      </p:ext>
+    </p:extLst>
+  </p:cSld>
+  <p:clrMapOvr>
+    <a:masterClrMapping/>
+  </p:clrMapOvr>
+</p:sld>
+</file>
+
+<file path=ppt/slides/slide13.xml><?xml version="1.0" encoding="utf-8"?>
+<p:sld xmlns:a="http://schemas.openxmlformats.org/drawingml/2006/main" xmlns:r="http://schemas.openxmlformats.org/officeDocument/2006/relationships" xmlns:p="http://schemas.openxmlformats.org/presentationml/2006/main">
+  <p:cSld>
+    <p:spTree>
+      <p:nvGrpSpPr>
+        <p:cNvPr id="1" name=""/>
+        <p:cNvGrpSpPr/>
+        <p:nvPr/>
+      </p:nvGrpSpPr>
+      <p:grpSpPr>
+        <a:xfrm>
+          <a:off x="0" y="0"/>
+          <a:ext cx="0" cy="0"/>
+          <a:chOff x="0" y="0"/>
+          <a:chExt cx="0" cy="0"/>
+        </a:xfrm>
+      </p:grpSpPr>
+      <p:sp>
+        <p:nvSpPr>
           <p:cNvPr id="2" name="Rectangle 1"/>
           <p:cNvSpPr/>
           <p:nvPr/>
@@ -5973,14 +6465,7 @@
                 <a:latin typeface="Arial" panose="020B0604020202020204" pitchFamily="34" charset="0"/>
                 <a:cs typeface="Arial" panose="020B0604020202020204" pitchFamily="34" charset="0"/>
               </a:rPr>
-              <a:t> </a:t>
-            </a:r>
-            <a:r>
-              <a:rPr lang="en-US" sz="2000" dirty="0" smtClean="0">
-                <a:latin typeface="Arial" panose="020B0604020202020204" pitchFamily="34" charset="0"/>
-                <a:cs typeface="Arial" panose="020B0604020202020204" pitchFamily="34" charset="0"/>
-              </a:rPr>
-              <a:t>disease </a:t>
+              <a:t> disease </a:t>
             </a:r>
             <a:r>
               <a:rPr lang="en-US" sz="2000" dirty="0">
@@ -6033,17 +6518,7 @@
                 <a:latin typeface="Arial" panose="020B0604020202020204" pitchFamily="34" charset="0"/>
                 <a:cs typeface="Arial" panose="020B0604020202020204" pitchFamily="34" charset="0"/>
               </a:rPr>
-              <a:t>Limitation</a:t>
-            </a:r>
-            <a:r>
-              <a:rPr lang="en-US" sz="2000" b="1" dirty="0" smtClean="0">
-                <a:solidFill>
-                  <a:srgbClr val="FF0000"/>
-                </a:solidFill>
-                <a:latin typeface="Arial" panose="020B0604020202020204" pitchFamily="34" charset="0"/>
-                <a:cs typeface="Arial" panose="020B0604020202020204" pitchFamily="34" charset="0"/>
-              </a:rPr>
-              <a:t>:</a:t>
+              <a:t>Limitation:</a:t>
             </a:r>
             <a:endParaRPr lang="en-US" sz="2000" b="1" dirty="0">
               <a:solidFill>
@@ -6062,14 +6537,7 @@
                 <a:latin typeface="Arial" panose="020B0604020202020204" pitchFamily="34" charset="0"/>
                 <a:cs typeface="Arial" panose="020B0604020202020204" pitchFamily="34" charset="0"/>
               </a:rPr>
-              <a:t>Only </a:t>
-            </a:r>
-            <a:r>
-              <a:rPr lang="en-US" sz="2000" dirty="0" smtClean="0">
-                <a:latin typeface="Arial" panose="020B0604020202020204" pitchFamily="34" charset="0"/>
-                <a:cs typeface="Arial" panose="020B0604020202020204" pitchFamily="34" charset="0"/>
-              </a:rPr>
-              <a:t>works in unrelated individuals, 30% samples should be excluded</a:t>
+              <a:t>Only works in unrelated individuals, 30% samples should be excluded</a:t>
             </a:r>
             <a:endParaRPr lang="en-US" sz="2000" dirty="0">
               <a:latin typeface="Arial" panose="020B0604020202020204" pitchFamily="34" charset="0"/>
@@ -6097,42 +6565,7 @@
                 <a:latin typeface="Arial" panose="020B0604020202020204" pitchFamily="34" charset="0"/>
                 <a:cs typeface="Arial" panose="020B0604020202020204" pitchFamily="34" charset="0"/>
               </a:rPr>
-              <a:t>Imputation </a:t>
-            </a:r>
-            <a:r>
-              <a:rPr lang="en-US" sz="2000" dirty="0" smtClean="0">
-                <a:latin typeface="Arial" panose="020B0604020202020204" pitchFamily="34" charset="0"/>
-                <a:cs typeface="Arial" panose="020B0604020202020204" pitchFamily="34" charset="0"/>
-              </a:rPr>
-              <a:t>accuracy for rare variants </a:t>
-            </a:r>
-            <a:r>
-              <a:rPr lang="en-US" sz="2000" dirty="0" smtClean="0">
-                <a:latin typeface="Arial" panose="020B0604020202020204" pitchFamily="34" charset="0"/>
-                <a:cs typeface="Arial" panose="020B0604020202020204" pitchFamily="34" charset="0"/>
-              </a:rPr>
-              <a:t>will be</a:t>
-            </a:r>
-            <a:r>
-              <a:rPr lang="en-US" sz="2000" dirty="0" smtClean="0">
-                <a:latin typeface="Arial" panose="020B0604020202020204" pitchFamily="34" charset="0"/>
-                <a:cs typeface="Arial" panose="020B0604020202020204" pitchFamily="34" charset="0"/>
-              </a:rPr>
-              <a:t> </a:t>
-            </a:r>
-            <a:r>
-              <a:rPr lang="en-US" sz="2000" dirty="0" smtClean="0">
-                <a:latin typeface="Arial" panose="020B0604020202020204" pitchFamily="34" charset="0"/>
-                <a:cs typeface="Arial" panose="020B0604020202020204" pitchFamily="34" charset="0"/>
-              </a:rPr>
-              <a:t>very </a:t>
-            </a:r>
-            <a:r>
-              <a:rPr lang="en-US" sz="2000" dirty="0" smtClean="0">
-                <a:latin typeface="Arial" panose="020B0604020202020204" pitchFamily="34" charset="0"/>
-                <a:cs typeface="Arial" panose="020B0604020202020204" pitchFamily="34" charset="0"/>
-              </a:rPr>
-              <a:t>low</a:t>
+              <a:t>Imputation accuracy for rare variants will be very low</a:t>
             </a:r>
           </a:p>
           <a:p>
@@ -6240,16 +6673,7 @@
                 </a:solidFill>
                 <a:latin typeface="Helvetica W01 Roman"/>
               </a:rPr>
-              <a:t>Genome-wide </a:t>
-            </a:r>
-            <a:r>
-              <a:rPr lang="en-US" b="1" dirty="0" smtClean="0">
-                <a:solidFill>
-                  <a:srgbClr val="7030A0"/>
-                </a:solidFill>
-                <a:latin typeface="Helvetica W01 Roman"/>
-              </a:rPr>
-              <a:t>sequencing</a:t>
+              <a:t>Genome-wide sequencing</a:t>
             </a:r>
             <a:endParaRPr lang="en-US" b="1" dirty="0">
               <a:solidFill>
@@ -6300,35 +6724,14 @@
                 <a:latin typeface="Arial" panose="020B0604020202020204" pitchFamily="34" charset="0"/>
                 <a:cs typeface="Arial" panose="020B0604020202020204" pitchFamily="34" charset="0"/>
               </a:rPr>
-              <a:t>a </a:t>
-            </a:r>
-            <a:r>
-              <a:rPr lang="en-US" sz="2000" dirty="0">
-                <a:latin typeface="Arial" panose="020B0604020202020204" pitchFamily="34" charset="0"/>
-                <a:cs typeface="Arial" panose="020B0604020202020204" pitchFamily="34" charset="0"/>
-              </a:rPr>
-              <a:t>region based computational </a:t>
-            </a:r>
-            <a:r>
-              <a:rPr lang="en-US" sz="2000" dirty="0">
-                <a:latin typeface="Arial" panose="020B0604020202020204" pitchFamily="34" charset="0"/>
-                <a:cs typeface="Arial" panose="020B0604020202020204" pitchFamily="34" charset="0"/>
-              </a:rPr>
-              <a:t>pipeline to </a:t>
+              <a:t>a region based computational pipeline to </a:t>
             </a:r>
             <a:r>
               <a:rPr lang="en-US" sz="2000" dirty="0" smtClean="0">
                 <a:latin typeface="Arial" panose="020B0604020202020204" pitchFamily="34" charset="0"/>
                 <a:cs typeface="Arial" panose="020B0604020202020204" pitchFamily="34" charset="0"/>
               </a:rPr>
-              <a:t>identify rare </a:t>
-            </a:r>
-            <a:r>
-              <a:rPr lang="en-US" sz="2000" dirty="0" smtClean="0">
-                <a:latin typeface="Arial" panose="020B0604020202020204" pitchFamily="34" charset="0"/>
-                <a:cs typeface="Arial" panose="020B0604020202020204" pitchFamily="34" charset="0"/>
-              </a:rPr>
-              <a:t>disease </a:t>
+              <a:t>identify rare disease </a:t>
             </a:r>
             <a:r>
               <a:rPr lang="en-US" sz="2000" dirty="0">
@@ -6895,7 +7298,7 @@
 </p:sld>
 </file>
 
-<file path=ppt/slides/slide13.xml><?xml version="1.0" encoding="utf-8"?>
+<file path=ppt/slides/slide14.xml><?xml version="1.0" encoding="utf-8"?>
 <p:sld xmlns:a="http://schemas.openxmlformats.org/drawingml/2006/main" xmlns:r="http://schemas.openxmlformats.org/officeDocument/2006/relationships" xmlns:p="http://schemas.openxmlformats.org/presentationml/2006/main">
   <p:cSld>
     <p:spTree>
@@ -6943,18 +7346,7 @@
                 <a:ea typeface="Adobe Gothic Std B" panose="020B0800000000000000" pitchFamily="34" charset="-128"/>
                 <a:cs typeface="Arial" panose="020B0604020202020204" pitchFamily="34" charset="0"/>
               </a:rPr>
-              <a:t>Tha</a:t>
-            </a:r>
-            <a:r>
-              <a:rPr lang="en-US" sz="8800" b="1" dirty="0">
-                <a:solidFill>
-                  <a:schemeClr val="tx2"/>
-                </a:solidFill>
-                <a:latin typeface="Arial" panose="020B0604020202020204" pitchFamily="34" charset="0"/>
-                <a:ea typeface="Adobe Gothic Std B" panose="020B0800000000000000" pitchFamily="34" charset="-128"/>
-                <a:cs typeface="Arial" panose="020B0604020202020204" pitchFamily="34" charset="0"/>
-              </a:rPr>
-              <a:t>nks</a:t>
+              <a:t>Thanks</a:t>
             </a:r>
             <a:endParaRPr lang="en-US" sz="3200" b="1" dirty="0">
               <a:solidFill>
@@ -6980,7 +7372,7 @@
 </p:sld>
 </file>
 
-<file path=ppt/slides/slide14.xml><?xml version="1.0" encoding="utf-8"?>
+<file path=ppt/slides/slide15.xml><?xml version="1.0" encoding="utf-8"?>
 <p:sld xmlns:a="http://schemas.openxmlformats.org/drawingml/2006/main" xmlns:r="http://schemas.openxmlformats.org/officeDocument/2006/relationships" xmlns:p="http://schemas.openxmlformats.org/presentationml/2006/main">
   <p:cSld>
     <p:spTree>
@@ -7228,25 +7620,7 @@
                 </a:solidFill>
                 <a:latin typeface="Arial" panose="020B0604020202020204" pitchFamily="34" charset="0"/>
               </a:rPr>
-              <a:t>Methods: Apply </a:t>
-            </a:r>
-            <a:r>
-              <a:rPr lang="en-US" sz="3000" b="1" dirty="0" smtClean="0">
-                <a:solidFill>
-                  <a:srgbClr val="000000"/>
-                </a:solidFill>
-                <a:latin typeface="Arial" panose="020B0604020202020204" pitchFamily="34" charset="0"/>
-              </a:rPr>
-              <a:t>GWAS </a:t>
-            </a:r>
-            <a:r>
-              <a:rPr lang="en-US" sz="3000" b="1" dirty="0" smtClean="0">
-                <a:solidFill>
-                  <a:srgbClr val="000000"/>
-                </a:solidFill>
-                <a:latin typeface="Arial" panose="020B0604020202020204" pitchFamily="34" charset="0"/>
-              </a:rPr>
-              <a:t>to Identify Disease Associated Genes</a:t>
+              <a:t>Methods: Apply GWAS to Identify Disease Associated Genes</a:t>
             </a:r>
             <a:endParaRPr lang="en-US" sz="3000" b="1" dirty="0">
               <a:solidFill>
@@ -8089,14 +8463,7 @@
                 <a:latin typeface="Arial" panose="020B0604020202020204" pitchFamily="34" charset="0"/>
                 <a:cs typeface="Arial" panose="020B0604020202020204" pitchFamily="34" charset="0"/>
               </a:rPr>
-              <a:t>Rare variants model</a:t>
-            </a:r>
-            <a:r>
-              <a:rPr lang="en-US" sz="2000" dirty="0" smtClean="0">
-                <a:latin typeface="Arial" panose="020B0604020202020204" pitchFamily="34" charset="0"/>
-                <a:cs typeface="Arial" panose="020B0604020202020204" pitchFamily="34" charset="0"/>
-              </a:rPr>
-              <a:t>:</a:t>
+              <a:t>Rare variants model:</a:t>
             </a:r>
           </a:p>
           <a:p>
